--- a/Soft Skills/Technical Report.pptx
+++ b/Soft Skills/Technical Report.pptx
@@ -11,6 +11,7 @@
     <p:sldId id="259" r:id="rId5"/>
     <p:sldId id="260" r:id="rId6"/>
     <p:sldId id="261" r:id="rId7"/>
+    <p:sldId id="262" r:id="rId8"/>
   </p:sldIdLst>
   <p:sldSz cx="12192000" cy="6858000"/>
   <p:notesSz cx="6858000" cy="9144000"/>
@@ -109,6 +110,11 @@
       </a:defRPr>
     </a:lvl9pPr>
   </p:defaultTextStyle>
+  <p:extLst>
+    <p:ext uri="{EFAFB233-063F-42B5-8137-9DF3F51BA10A}">
+      <p15:sldGuideLst xmlns:p15="http://schemas.microsoft.com/office/powerpoint/2012/main"/>
+    </p:ext>
+  </p:extLst>
 </p:presentation>
 </file>
 
@@ -7635,6 +7641,131 @@
 </p:sld>
 </file>
 
+<file path=ppt/slides/slide7.xml><?xml version="1.0" encoding="utf-8"?>
+<p:sld xmlns:a="http://schemas.openxmlformats.org/drawingml/2006/main" xmlns:r="http://schemas.openxmlformats.org/officeDocument/2006/relationships" xmlns:p="http://schemas.openxmlformats.org/presentationml/2006/main">
+  <p:cSld>
+    <p:spTree>
+      <p:nvGrpSpPr>
+        <p:cNvPr id="1" name=""/>
+        <p:cNvGrpSpPr/>
+        <p:nvPr/>
+      </p:nvGrpSpPr>
+      <p:grpSpPr>
+        <a:xfrm>
+          <a:off x="0" y="0"/>
+          <a:ext cx="0" cy="0"/>
+          <a:chOff x="0" y="0"/>
+          <a:chExt cx="0" cy="0"/>
+        </a:xfrm>
+      </p:grpSpPr>
+      <p:sp>
+        <p:nvSpPr>
+          <p:cNvPr id="5" name="TextBox 4">
+            <a:extLst>
+              <a:ext uri="{FF2B5EF4-FFF2-40B4-BE49-F238E27FC236}">
+                <a16:creationId xmlns:a16="http://schemas.microsoft.com/office/drawing/2014/main" id="{EB9160F7-0CCC-61EB-0DED-29E0931B0BBA}"/>
+              </a:ext>
+            </a:extLst>
+          </p:cNvPr>
+          <p:cNvSpPr txBox="1"/>
+          <p:nvPr/>
+        </p:nvSpPr>
+        <p:spPr>
+          <a:xfrm>
+            <a:off x="503903" y="1027752"/>
+            <a:ext cx="9062884" cy="3323987"/>
+          </a:xfrm>
+          <a:prstGeom prst="rect">
+            <a:avLst/>
+          </a:prstGeom>
+          <a:noFill/>
+        </p:spPr>
+        <p:txBody>
+          <a:bodyPr wrap="square">
+            <a:spAutoFit/>
+          </a:bodyPr>
+          <a:lstStyle/>
+          <a:p>
+            <a:pPr algn="ctr"/>
+            <a:endParaRPr lang="en-US" sz="2800" b="1" u="sng" dirty="0">
+              <a:effectLst>
+                <a:outerShdw blurRad="38100" dist="38100" dir="2700000" algn="tl">
+                  <a:srgbClr val="000000">
+                    <a:alpha val="43137"/>
+                  </a:srgbClr>
+                </a:outerShdw>
+              </a:effectLst>
+            </a:endParaRPr>
+          </a:p>
+          <a:p>
+            <a:pPr algn="ctr"/>
+            <a:endParaRPr lang="en-US" sz="2800" b="1" u="sng" dirty="0">
+              <a:effectLst>
+                <a:outerShdw blurRad="38100" dist="38100" dir="2700000" algn="tl">
+                  <a:srgbClr val="000000">
+                    <a:alpha val="43137"/>
+                  </a:srgbClr>
+                </a:outerShdw>
+              </a:effectLst>
+            </a:endParaRPr>
+          </a:p>
+          <a:p>
+            <a:pPr algn="ctr"/>
+            <a:r>
+              <a:rPr lang="en-US" sz="2800" b="1" u="sng" dirty="0">
+                <a:effectLst>
+                  <a:outerShdw blurRad="38100" dist="38100" dir="2700000" algn="tl">
+                    <a:srgbClr val="000000">
+                      <a:alpha val="43137"/>
+                    </a:srgbClr>
+                  </a:outerShdw>
+                </a:effectLst>
+              </a:rPr>
+              <a:t>Conclusion</a:t>
+            </a:r>
+            <a:r>
+              <a:rPr lang="en-US" sz="2800" b="1" dirty="0">
+                <a:effectLst>
+                  <a:outerShdw blurRad="38100" dist="38100" dir="2700000" algn="tl">
+                    <a:srgbClr val="000000">
+                      <a:alpha val="43137"/>
+                    </a:srgbClr>
+                  </a:outerShdw>
+                </a:effectLst>
+              </a:rPr>
+              <a:t>:</a:t>
+            </a:r>
+          </a:p>
+          <a:p>
+            <a:pPr algn="just"/>
+            <a:endParaRPr lang="en-US" b="1" dirty="0"/>
+          </a:p>
+          <a:p>
+            <a:pPr algn="just"/>
+            <a:endParaRPr lang="en-US" b="1" dirty="0"/>
+          </a:p>
+          <a:p>
+            <a:pPr algn="just"/>
+            <a:r>
+              <a:rPr lang="en-US" dirty="0"/>
+              <a:t>Corporate slavery remains a pervasive issue in modern workplaces, reflecting historical patterns of exploitation under new guises. While economic globalization and technological advancements have created opportunities, they have also perpetuated worker exploitation. Addressing this problem requires systemic reform, legal protections, and cultural change, ensuring dignity and fairness in the workplace.</a:t>
+            </a:r>
+          </a:p>
+        </p:txBody>
+      </p:sp>
+    </p:spTree>
+    <p:extLst>
+      <p:ext uri="{BB962C8B-B14F-4D97-AF65-F5344CB8AC3E}">
+        <p14:creationId xmlns:p14="http://schemas.microsoft.com/office/powerpoint/2010/main" val="1896643228"/>
+      </p:ext>
+    </p:extLst>
+  </p:cSld>
+  <p:clrMapOvr>
+    <a:masterClrMapping/>
+  </p:clrMapOvr>
+</p:sld>
+</file>
+
 <file path=ppt/theme/theme1.xml><?xml version="1.0" encoding="utf-8"?>
 <a:theme xmlns:a="http://schemas.openxmlformats.org/drawingml/2006/main" name="Facet">
   <a:themeElements>
